--- a/07_tuples/Tuples in Python.pptx
+++ b/07_tuples/Tuples in Python.pptx
@@ -104,6 +104,11 @@
       </a:defRPr>
     </a:lvl9pPr>
   </p:defaultTextStyle>
+  <p:extLst>
+    <p:ext uri="{EFAFB233-063F-42B5-8137-9DF3F51BA10A}">
+      <p15:sldGuideLst xmlns:p15="http://schemas.microsoft.com/office/powerpoint/2012/main"/>
+    </p:ext>
+  </p:extLst>
 </p:presentation>
 </file>
 
@@ -275,7 +280,7 @@
           <a:p>
             <a:fld id="{0C7DEA0D-250B-49E4-B866-7B4D6EA5E3BF}" type="datetimeFigureOut">
               <a:rPr lang="en-IN" smtClean="0"/>
-              <a:t>05-07-2021</a:t>
+              <a:t>07-07-2021</a:t>
             </a:fld>
             <a:endParaRPr lang="en-IN"/>
           </a:p>
@@ -503,7 +508,7 @@
           <a:p>
             <a:fld id="{0C7DEA0D-250B-49E4-B866-7B4D6EA5E3BF}" type="datetimeFigureOut">
               <a:rPr lang="en-IN" smtClean="0"/>
-              <a:t>05-07-2021</a:t>
+              <a:t>07-07-2021</a:t>
             </a:fld>
             <a:endParaRPr lang="en-IN"/>
           </a:p>
@@ -683,7 +688,7 @@
           <a:p>
             <a:fld id="{0C7DEA0D-250B-49E4-B866-7B4D6EA5E3BF}" type="datetimeFigureOut">
               <a:rPr lang="en-IN" smtClean="0"/>
-              <a:t>05-07-2021</a:t>
+              <a:t>07-07-2021</a:t>
             </a:fld>
             <a:endParaRPr lang="en-IN"/>
           </a:p>
@@ -853,7 +858,7 @@
           <a:p>
             <a:fld id="{0C7DEA0D-250B-49E4-B866-7B4D6EA5E3BF}" type="datetimeFigureOut">
               <a:rPr lang="en-IN" smtClean="0"/>
-              <a:t>05-07-2021</a:t>
+              <a:t>07-07-2021</a:t>
             </a:fld>
             <a:endParaRPr lang="en-IN"/>
           </a:p>
@@ -1107,7 +1112,7 @@
           <a:p>
             <a:fld id="{0C7DEA0D-250B-49E4-B866-7B4D6EA5E3BF}" type="datetimeFigureOut">
               <a:rPr lang="en-IN" smtClean="0"/>
-              <a:t>05-07-2021</a:t>
+              <a:t>07-07-2021</a:t>
             </a:fld>
             <a:endParaRPr lang="en-IN"/>
           </a:p>
@@ -1433,7 +1438,7 @@
           <a:p>
             <a:fld id="{0C7DEA0D-250B-49E4-B866-7B4D6EA5E3BF}" type="datetimeFigureOut">
               <a:rPr lang="en-IN" smtClean="0"/>
-              <a:t>05-07-2021</a:t>
+              <a:t>07-07-2021</a:t>
             </a:fld>
             <a:endParaRPr lang="en-IN"/>
           </a:p>
@@ -1884,7 +1889,7 @@
           <a:p>
             <a:fld id="{0C7DEA0D-250B-49E4-B866-7B4D6EA5E3BF}" type="datetimeFigureOut">
               <a:rPr lang="en-IN" smtClean="0"/>
-              <a:t>05-07-2021</a:t>
+              <a:t>07-07-2021</a:t>
             </a:fld>
             <a:endParaRPr lang="en-IN"/>
           </a:p>
@@ -2002,7 +2007,7 @@
           <a:p>
             <a:fld id="{0C7DEA0D-250B-49E4-B866-7B4D6EA5E3BF}" type="datetimeFigureOut">
               <a:rPr lang="en-IN" smtClean="0"/>
-              <a:t>05-07-2021</a:t>
+              <a:t>07-07-2021</a:t>
             </a:fld>
             <a:endParaRPr lang="en-IN"/>
           </a:p>
@@ -2097,7 +2102,7 @@
           <a:p>
             <a:fld id="{0C7DEA0D-250B-49E4-B866-7B4D6EA5E3BF}" type="datetimeFigureOut">
               <a:rPr lang="en-IN" smtClean="0"/>
-              <a:t>05-07-2021</a:t>
+              <a:t>07-07-2021</a:t>
             </a:fld>
             <a:endParaRPr lang="en-IN"/>
           </a:p>
@@ -2384,7 +2389,7 @@
           <a:p>
             <a:fld id="{0C7DEA0D-250B-49E4-B866-7B4D6EA5E3BF}" type="datetimeFigureOut">
               <a:rPr lang="en-IN" smtClean="0"/>
-              <a:t>05-07-2021</a:t>
+              <a:t>07-07-2021</a:t>
             </a:fld>
             <a:endParaRPr lang="en-IN"/>
           </a:p>
@@ -2706,7 +2711,7 @@
           <a:p>
             <a:fld id="{0C7DEA0D-250B-49E4-B866-7B4D6EA5E3BF}" type="datetimeFigureOut">
               <a:rPr lang="en-IN" smtClean="0"/>
-              <a:t>05-07-2021</a:t>
+              <a:t>07-07-2021</a:t>
             </a:fld>
             <a:endParaRPr lang="en-IN"/>
           </a:p>
@@ -2960,7 +2965,7 @@
           <a:p>
             <a:fld id="{0C7DEA0D-250B-49E4-B866-7B4D6EA5E3BF}" type="datetimeFigureOut">
               <a:rPr lang="en-IN" smtClean="0"/>
-              <a:t>05-07-2021</a:t>
+              <a:t>07-07-2021</a:t>
             </a:fld>
             <a:endParaRPr lang="en-IN"/>
           </a:p>
@@ -3561,7 +3566,7 @@
                 <a:effectLst/>
                 <a:latin typeface="Roboto" panose="02000000000000000000" pitchFamily="2" charset="0"/>
               </a:rPr>
-              <a:t>We can edit or change any element of the tuple. </a:t>
+              <a:t>We can’t edit or change any element of the tuple. </a:t>
             </a:r>
           </a:p>
           <a:p>
